--- a/Presentation1.pptx
+++ b/Presentation1.pptx
@@ -3405,7 +3405,7 @@
         </p:nvSpPr>
         <p:spPr>
           <a:xfrm>
-            <a:off x="10539019" y="2317640"/>
+            <a:off x="10446317" y="5008146"/>
             <a:ext cx="402672" cy="385856"/>
           </a:xfrm>
           <a:prstGeom prst="ellipse">
@@ -3451,7 +3451,7 @@
         </p:nvSpPr>
         <p:spPr>
           <a:xfrm>
-            <a:off x="10691419" y="2470040"/>
+            <a:off x="10598717" y="5160546"/>
             <a:ext cx="402672" cy="385856"/>
           </a:xfrm>
           <a:prstGeom prst="ellipse">
@@ -3497,7 +3497,7 @@
         </p:nvSpPr>
         <p:spPr>
           <a:xfrm>
-            <a:off x="10843819" y="2622440"/>
+            <a:off x="10751117" y="5312946"/>
             <a:ext cx="402672" cy="385856"/>
           </a:xfrm>
           <a:prstGeom prst="ellipse">
@@ -3543,7 +3543,7 @@
         </p:nvSpPr>
         <p:spPr>
           <a:xfrm>
-            <a:off x="10996219" y="2774840"/>
+            <a:off x="10903517" y="5465346"/>
             <a:ext cx="402672" cy="385856"/>
           </a:xfrm>
           <a:prstGeom prst="ellipse">
@@ -3589,7 +3589,7 @@
         </p:nvSpPr>
         <p:spPr>
           <a:xfrm>
-            <a:off x="11148619" y="2927240"/>
+            <a:off x="11055917" y="5617746"/>
             <a:ext cx="402672" cy="385856"/>
           </a:xfrm>
           <a:prstGeom prst="ellipse">
@@ -3635,7 +3635,7 @@
         </p:nvSpPr>
         <p:spPr>
           <a:xfrm>
-            <a:off x="11301019" y="3079640"/>
+            <a:off x="11208317" y="5770146"/>
             <a:ext cx="402672" cy="385856"/>
           </a:xfrm>
           <a:prstGeom prst="ellipse">
@@ -3681,7 +3681,7 @@
         </p:nvSpPr>
         <p:spPr>
           <a:xfrm>
-            <a:off x="11453419" y="3232040"/>
+            <a:off x="11360717" y="5922546"/>
             <a:ext cx="402672" cy="385856"/>
           </a:xfrm>
           <a:prstGeom prst="ellipse">
@@ -4293,7 +4293,7 @@
         </p:nvSpPr>
         <p:spPr>
           <a:xfrm>
-            <a:off x="9679147" y="2398696"/>
+            <a:off x="9586445" y="5089202"/>
             <a:ext cx="402672" cy="385856"/>
           </a:xfrm>
           <a:prstGeom prst="ellipse">
@@ -4349,7 +4349,7 @@
         </p:nvSpPr>
         <p:spPr>
           <a:xfrm>
-            <a:off x="9831547" y="2551096"/>
+            <a:off x="9738845" y="5241602"/>
             <a:ext cx="402672" cy="385856"/>
           </a:xfrm>
           <a:prstGeom prst="ellipse">
@@ -4405,7 +4405,7 @@
         </p:nvSpPr>
         <p:spPr>
           <a:xfrm>
-            <a:off x="9983947" y="2703496"/>
+            <a:off x="9891245" y="5394002"/>
             <a:ext cx="402672" cy="385856"/>
           </a:xfrm>
           <a:prstGeom prst="ellipse">
@@ -4461,7 +4461,7 @@
         </p:nvSpPr>
         <p:spPr>
           <a:xfrm>
-            <a:off x="10136347" y="2855896"/>
+            <a:off x="10043645" y="5546402"/>
             <a:ext cx="402672" cy="385856"/>
           </a:xfrm>
           <a:prstGeom prst="ellipse">
@@ -4678,9 +4678,7 @@
           </a:prstGeom>
           <a:ln w="57150">
             <a:solidFill>
-              <a:schemeClr val="accent2">
-                <a:lumMod val="75000"/>
-              </a:schemeClr>
+              <a:schemeClr val="accent2"/>
             </a:solidFill>
           </a:ln>
         </p:spPr>
@@ -4801,9 +4799,7 @@
           </a:prstGeom>
           <a:ln w="57150">
             <a:solidFill>
-              <a:schemeClr val="accent2">
-                <a:lumMod val="75000"/>
-              </a:schemeClr>
+              <a:schemeClr val="accent2"/>
             </a:solidFill>
           </a:ln>
         </p:spPr>
@@ -4846,9 +4842,7 @@
           </a:prstGeom>
           <a:ln w="57150">
             <a:solidFill>
-              <a:schemeClr val="accent2">
-                <a:lumMod val="75000"/>
-              </a:schemeClr>
+              <a:schemeClr val="accent2"/>
             </a:solidFill>
           </a:ln>
         </p:spPr>
@@ -4878,22 +4872,21 @@
           </p:cNvPr>
           <p:cNvCxnSpPr>
             <a:cxnSpLocks/>
+            <a:stCxn id="58" idx="1"/>
           </p:cNvCxnSpPr>
           <p:nvPr/>
         </p:nvCxnSpPr>
         <p:spPr>
-          <a:xfrm>
-            <a:off x="1423331" y="875510"/>
-            <a:ext cx="1928067" cy="0"/>
+          <a:xfrm flipV="1">
+            <a:off x="1445348" y="955119"/>
+            <a:ext cx="1839982" cy="2686"/>
           </a:xfrm>
           <a:prstGeom prst="line">
             <a:avLst/>
           </a:prstGeom>
           <a:ln w="57150">
             <a:solidFill>
-              <a:schemeClr val="accent2">
-                <a:lumMod val="75000"/>
-              </a:schemeClr>
+              <a:schemeClr val="tx1"/>
             </a:solidFill>
           </a:ln>
         </p:spPr>
@@ -5014,9 +5007,7 @@
           </a:prstGeom>
           <a:ln w="57150">
             <a:solidFill>
-              <a:schemeClr val="accent2">
-                <a:lumMod val="75000"/>
-              </a:schemeClr>
+              <a:schemeClr val="tx1"/>
             </a:solidFill>
           </a:ln>
         </p:spPr>
@@ -5160,8 +5151,8 @@
         </p:nvSpPr>
         <p:spPr>
           <a:xfrm>
-            <a:off x="1108744" y="693531"/>
-            <a:ext cx="629174" cy="369332"/>
+            <a:off x="1445348" y="773139"/>
+            <a:ext cx="226502" cy="369332"/>
           </a:xfrm>
           <a:prstGeom prst="rect">
             <a:avLst/>
@@ -5383,6 +5374,11 @@
             <a:avLst/>
           </a:prstGeom>
           <a:noFill/>
+          <a:ln>
+            <a:solidFill>
+              <a:schemeClr val="accent2"/>
+            </a:solidFill>
+          </a:ln>
         </p:spPr>
         <p:txBody>
           <a:bodyPr wrap="square" rtlCol="0">
